--- a/23_06_MRS_slides.pptx
+++ b/23_06_MRS_slides.pptx
@@ -5,10 +5,11 @@
     <p:sldMasterId id="2147483648" r:id="rId1"/>
   </p:sldMasterIdLst>
   <p:sldIdLst>
-    <p:sldId id="256" r:id="rId2"/>
+    <p:sldId id="261" r:id="rId2"/>
     <p:sldId id="259" r:id="rId3"/>
     <p:sldId id="257" r:id="rId4"/>
-    <p:sldId id="258" r:id="rId5"/>
+    <p:sldId id="256" r:id="rId5"/>
+    <p:sldId id="258" r:id="rId6"/>
   </p:sldIdLst>
   <p:sldSz cx="12192000" cy="6858000"/>
   <p:notesSz cx="6858000" cy="9144000"/>
@@ -262,7 +263,7 @@
           <a:p>
             <a:fld id="{79108289-AEB5-4330-9AB4-233388A67221}" type="datetimeFigureOut">
               <a:rPr lang="de-DE" smtClean="0"/>
-              <a:t>24.06.2019</a:t>
+              <a:t>25.06.2019</a:t>
             </a:fld>
             <a:endParaRPr lang="de-DE"/>
           </a:p>
@@ -460,7 +461,7 @@
           <a:p>
             <a:fld id="{79108289-AEB5-4330-9AB4-233388A67221}" type="datetimeFigureOut">
               <a:rPr lang="de-DE" smtClean="0"/>
-              <a:t>24.06.2019</a:t>
+              <a:t>25.06.2019</a:t>
             </a:fld>
             <a:endParaRPr lang="de-DE"/>
           </a:p>
@@ -668,7 +669,7 @@
           <a:p>
             <a:fld id="{79108289-AEB5-4330-9AB4-233388A67221}" type="datetimeFigureOut">
               <a:rPr lang="de-DE" smtClean="0"/>
-              <a:t>24.06.2019</a:t>
+              <a:t>25.06.2019</a:t>
             </a:fld>
             <a:endParaRPr lang="de-DE"/>
           </a:p>
@@ -866,7 +867,7 @@
           <a:p>
             <a:fld id="{79108289-AEB5-4330-9AB4-233388A67221}" type="datetimeFigureOut">
               <a:rPr lang="de-DE" smtClean="0"/>
-              <a:t>24.06.2019</a:t>
+              <a:t>25.06.2019</a:t>
             </a:fld>
             <a:endParaRPr lang="de-DE"/>
           </a:p>
@@ -1141,7 +1142,7 @@
           <a:p>
             <a:fld id="{79108289-AEB5-4330-9AB4-233388A67221}" type="datetimeFigureOut">
               <a:rPr lang="de-DE" smtClean="0"/>
-              <a:t>24.06.2019</a:t>
+              <a:t>25.06.2019</a:t>
             </a:fld>
             <a:endParaRPr lang="de-DE"/>
           </a:p>
@@ -1406,7 +1407,7 @@
           <a:p>
             <a:fld id="{79108289-AEB5-4330-9AB4-233388A67221}" type="datetimeFigureOut">
               <a:rPr lang="de-DE" smtClean="0"/>
-              <a:t>24.06.2019</a:t>
+              <a:t>25.06.2019</a:t>
             </a:fld>
             <a:endParaRPr lang="de-DE"/>
           </a:p>
@@ -1818,7 +1819,7 @@
           <a:p>
             <a:fld id="{79108289-AEB5-4330-9AB4-233388A67221}" type="datetimeFigureOut">
               <a:rPr lang="de-DE" smtClean="0"/>
-              <a:t>24.06.2019</a:t>
+              <a:t>25.06.2019</a:t>
             </a:fld>
             <a:endParaRPr lang="de-DE"/>
           </a:p>
@@ -1959,7 +1960,7 @@
           <a:p>
             <a:fld id="{79108289-AEB5-4330-9AB4-233388A67221}" type="datetimeFigureOut">
               <a:rPr lang="de-DE" smtClean="0"/>
-              <a:t>24.06.2019</a:t>
+              <a:t>25.06.2019</a:t>
             </a:fld>
             <a:endParaRPr lang="de-DE"/>
           </a:p>
@@ -2072,7 +2073,7 @@
           <a:p>
             <a:fld id="{79108289-AEB5-4330-9AB4-233388A67221}" type="datetimeFigureOut">
               <a:rPr lang="de-DE" smtClean="0"/>
-              <a:t>24.06.2019</a:t>
+              <a:t>25.06.2019</a:t>
             </a:fld>
             <a:endParaRPr lang="de-DE"/>
           </a:p>
@@ -2383,7 +2384,7 @@
           <a:p>
             <a:fld id="{79108289-AEB5-4330-9AB4-233388A67221}" type="datetimeFigureOut">
               <a:rPr lang="de-DE" smtClean="0"/>
-              <a:t>24.06.2019</a:t>
+              <a:t>25.06.2019</a:t>
             </a:fld>
             <a:endParaRPr lang="de-DE"/>
           </a:p>
@@ -2671,7 +2672,7 @@
           <a:p>
             <a:fld id="{79108289-AEB5-4330-9AB4-233388A67221}" type="datetimeFigureOut">
               <a:rPr lang="de-DE" smtClean="0"/>
-              <a:t>24.06.2019</a:t>
+              <a:t>25.06.2019</a:t>
             </a:fld>
             <a:endParaRPr lang="de-DE"/>
           </a:p>
@@ -2912,7 +2913,7 @@
           <a:p>
             <a:fld id="{79108289-AEB5-4330-9AB4-233388A67221}" type="datetimeFigureOut">
               <a:rPr lang="de-DE" smtClean="0"/>
-              <a:t>24.06.2019</a:t>
+              <a:t>25.06.2019</a:t>
             </a:fld>
             <a:endParaRPr lang="de-DE"/>
           </a:p>
@@ -3329,157 +3330,290 @@
           <a:chExt cx="0" cy="0"/>
         </a:xfrm>
       </p:grpSpPr>
-      <p:pic>
-        <p:nvPicPr>
-          <p:cNvPr id="5" name="Grafik 4">
-            <a:extLst>
-              <a:ext uri="{FF2B5EF4-FFF2-40B4-BE49-F238E27FC236}">
-                <a16:creationId xmlns:a16="http://schemas.microsoft.com/office/drawing/2014/main" id="{DA44D1EC-7767-4009-9C09-AEF0523F446B}"/>
-              </a:ext>
-            </a:extLst>
-          </p:cNvPr>
-          <p:cNvPicPr>
-            <a:picLocks noChangeAspect="1"/>
-          </p:cNvPicPr>
+      <p:sp>
+        <p:nvSpPr>
+          <p:cNvPr id="12" name="Rechteck 11">
+            <a:extLst>
+              <a:ext uri="{FF2B5EF4-FFF2-40B4-BE49-F238E27FC236}">
+                <a16:creationId xmlns:a16="http://schemas.microsoft.com/office/drawing/2014/main" id="{949914CE-77BD-42BC-B19C-49BF46CCC4A0}"/>
+              </a:ext>
+            </a:extLst>
+          </p:cNvPr>
+          <p:cNvSpPr/>
           <p:nvPr/>
-        </p:nvPicPr>
-        <p:blipFill>
-          <a:blip r:embed="rId2">
-            <a:extLst>
-              <a:ext uri="{28A0092B-C50C-407E-A947-70E740481C1C}">
-                <a14:useLocalDpi xmlns:a14="http://schemas.microsoft.com/office/drawing/2010/main" val="0"/>
-              </a:ext>
-            </a:extLst>
-          </a:blip>
-          <a:stretch>
-            <a:fillRect/>
-          </a:stretch>
-        </p:blipFill>
+        </p:nvSpPr>
         <p:spPr>
           <a:xfrm>
-            <a:off x="6096000" y="523456"/>
-            <a:ext cx="5487650" cy="3658433"/>
+            <a:off x="0" y="6041471"/>
+            <a:ext cx="12192000" cy="816529"/>
           </a:xfrm>
           <a:prstGeom prst="rect">
             <a:avLst/>
           </a:prstGeom>
         </p:spPr>
-      </p:pic>
-      <p:pic>
-        <p:nvPicPr>
-          <p:cNvPr id="7" name="Grafik 6" descr="Ein Bild, das Objekt enthält.&#10;&#10;Automatisch generierte Beschreibung">
-            <a:extLst>
-              <a:ext uri="{FF2B5EF4-FFF2-40B4-BE49-F238E27FC236}">
-                <a16:creationId xmlns:a16="http://schemas.microsoft.com/office/drawing/2014/main" id="{45E2FCA3-8369-4B4C-B408-B57D9C5C9084}"/>
-              </a:ext>
-            </a:extLst>
-          </p:cNvPr>
-          <p:cNvPicPr>
-            <a:picLocks noChangeAspect="1"/>
-          </p:cNvPicPr>
+        <p:style>
+          <a:lnRef idx="2">
+            <a:schemeClr val="accent3">
+              <a:shade val="50000"/>
+            </a:schemeClr>
+          </a:lnRef>
+          <a:fillRef idx="1">
+            <a:schemeClr val="accent3"/>
+          </a:fillRef>
+          <a:effectRef idx="0">
+            <a:schemeClr val="accent3"/>
+          </a:effectRef>
+          <a:fontRef idx="minor">
+            <a:schemeClr val="lt1"/>
+          </a:fontRef>
+        </p:style>
+        <p:txBody>
+          <a:bodyPr rtlCol="0" anchor="ctr"/>
+          <a:lstStyle/>
+          <a:p>
+            <a:pPr algn="ctr"/>
+            <a:endParaRPr lang="de-DE"/>
+          </a:p>
+        </p:txBody>
+      </p:sp>
+      <p:sp>
+        <p:nvSpPr>
+          <p:cNvPr id="4" name="Rechteck 3">
+            <a:extLst>
+              <a:ext uri="{FF2B5EF4-FFF2-40B4-BE49-F238E27FC236}">
+                <a16:creationId xmlns:a16="http://schemas.microsoft.com/office/drawing/2014/main" id="{FFB51800-6288-4B7F-8205-7BBF87D7DAC5}"/>
+              </a:ext>
+            </a:extLst>
+          </p:cNvPr>
+          <p:cNvSpPr/>
           <p:nvPr/>
-        </p:nvPicPr>
-        <p:blipFill>
-          <a:blip r:embed="rId3">
-            <a:extLst>
-              <a:ext uri="{28A0092B-C50C-407E-A947-70E740481C1C}">
-                <a14:useLocalDpi xmlns:a14="http://schemas.microsoft.com/office/drawing/2010/main" val="0"/>
-              </a:ext>
-            </a:extLst>
-          </a:blip>
-          <a:stretch>
-            <a:fillRect/>
-          </a:stretch>
-        </p:blipFill>
+        </p:nvSpPr>
         <p:spPr>
           <a:xfrm>
-            <a:off x="311789" y="158109"/>
-            <a:ext cx="5852172" cy="4389129"/>
+            <a:off x="830510" y="2094335"/>
+            <a:ext cx="8800052" cy="954107"/>
           </a:xfrm>
           <a:prstGeom prst="rect">
             <a:avLst/>
           </a:prstGeom>
         </p:spPr>
-      </p:pic>
-      <p:sp>
-        <p:nvSpPr>
-          <p:cNvPr id="8" name="Textfeld 7">
-            <a:extLst>
-              <a:ext uri="{FF2B5EF4-FFF2-40B4-BE49-F238E27FC236}">
-                <a16:creationId xmlns:a16="http://schemas.microsoft.com/office/drawing/2014/main" id="{29841C2D-358F-49D6-84F0-3BA75BAC1BF1}"/>
-              </a:ext>
-            </a:extLst>
-          </p:cNvPr>
-          <p:cNvSpPr txBox="1"/>
+        <p:txBody>
+          <a:bodyPr wrap="square">
+            <a:spAutoFit/>
+          </a:bodyPr>
+          <a:lstStyle/>
+          <a:p>
+            <a:r>
+              <a:rPr lang="de-DE" sz="2800" b="1" dirty="0" err="1">
+                <a:solidFill>
+                  <a:srgbClr val="000000"/>
+                </a:solidFill>
+                <a:latin typeface="Rockwell" panose="02060603020205020403" pitchFamily="18" charset="0"/>
+              </a:rPr>
+              <a:t>Discriminative</a:t>
+            </a:r>
+            <a:r>
+              <a:rPr lang="de-DE" sz="2800" b="1" dirty="0">
+                <a:solidFill>
+                  <a:srgbClr val="000000"/>
+                </a:solidFill>
+                <a:latin typeface="Rockwell" panose="02060603020205020403" pitchFamily="18" charset="0"/>
+              </a:rPr>
+              <a:t> </a:t>
+            </a:r>
+            <a:r>
+              <a:rPr lang="de-DE" sz="2800" b="1" dirty="0" err="1">
+                <a:solidFill>
+                  <a:srgbClr val="000000"/>
+                </a:solidFill>
+                <a:latin typeface="Rockwell" panose="02060603020205020403" pitchFamily="18" charset="0"/>
+              </a:rPr>
+              <a:t>Machine</a:t>
+            </a:r>
+            <a:r>
+              <a:rPr lang="de-DE" sz="2800" b="1" dirty="0">
+                <a:solidFill>
+                  <a:srgbClr val="000000"/>
+                </a:solidFill>
+                <a:latin typeface="Rockwell" panose="02060603020205020403" pitchFamily="18" charset="0"/>
+              </a:rPr>
+              <a:t> Learning </a:t>
+            </a:r>
+          </a:p>
+          <a:p>
+            <a:r>
+              <a:rPr lang="de-DE" sz="2800" b="1" dirty="0" err="1">
+                <a:solidFill>
+                  <a:srgbClr val="000000"/>
+                </a:solidFill>
+                <a:latin typeface="Rockwell" panose="02060603020205020403" pitchFamily="18" charset="0"/>
+              </a:rPr>
+              <a:t>for</a:t>
+            </a:r>
+            <a:r>
+              <a:rPr lang="de-DE" sz="2800" b="1" dirty="0">
+                <a:solidFill>
+                  <a:srgbClr val="000000"/>
+                </a:solidFill>
+                <a:latin typeface="Rockwell" panose="02060603020205020403" pitchFamily="18" charset="0"/>
+              </a:rPr>
+              <a:t> Maximal </a:t>
+            </a:r>
+            <a:r>
+              <a:rPr lang="de-DE" sz="2800" b="1" dirty="0" err="1">
+                <a:solidFill>
+                  <a:srgbClr val="000000"/>
+                </a:solidFill>
+                <a:latin typeface="Rockwell" panose="02060603020205020403" pitchFamily="18" charset="0"/>
+              </a:rPr>
+              <a:t>Representative</a:t>
+            </a:r>
+            <a:r>
+              <a:rPr lang="de-DE" sz="2800" b="1" dirty="0">
+                <a:solidFill>
+                  <a:srgbClr val="000000"/>
+                </a:solidFill>
+                <a:latin typeface="Rockwell" panose="02060603020205020403" pitchFamily="18" charset="0"/>
+              </a:rPr>
+              <a:t> Subsampling</a:t>
+            </a:r>
+          </a:p>
+        </p:txBody>
+      </p:sp>
+      <p:cxnSp>
+        <p:nvCxnSpPr>
+          <p:cNvPr id="6" name="Gerader Verbinder 5">
+            <a:extLst>
+              <a:ext uri="{FF2B5EF4-FFF2-40B4-BE49-F238E27FC236}">
+                <a16:creationId xmlns:a16="http://schemas.microsoft.com/office/drawing/2014/main" id="{05BA93E6-D092-4D6B-AD66-9F5BDF81C8F4}"/>
+              </a:ext>
+            </a:extLst>
+          </p:cNvPr>
+          <p:cNvCxnSpPr>
+            <a:cxnSpLocks/>
+          </p:cNvCxnSpPr>
           <p:nvPr/>
-        </p:nvSpPr>
+        </p:nvCxnSpPr>
         <p:spPr>
           <a:xfrm>
-            <a:off x="981074" y="4547236"/>
-            <a:ext cx="9934575" cy="1815882"/>
+            <a:off x="913637" y="3169343"/>
+            <a:ext cx="9597345" cy="0"/>
+          </a:xfrm>
+          <a:prstGeom prst="line">
+            <a:avLst/>
+          </a:prstGeom>
+          <a:ln w="15875">
+            <a:solidFill>
+              <a:schemeClr val="bg1">
+                <a:lumMod val="50000"/>
+              </a:schemeClr>
+            </a:solidFill>
+          </a:ln>
+        </p:spPr>
+        <p:style>
+          <a:lnRef idx="1">
+            <a:schemeClr val="dk1"/>
+          </a:lnRef>
+          <a:fillRef idx="0">
+            <a:schemeClr val="dk1"/>
+          </a:fillRef>
+          <a:effectRef idx="0">
+            <a:schemeClr val="dk1"/>
+          </a:effectRef>
+          <a:fontRef idx="minor">
+            <a:schemeClr val="tx1"/>
+          </a:fontRef>
+        </p:style>
+      </p:cxnSp>
+      <p:sp>
+        <p:nvSpPr>
+          <p:cNvPr id="9" name="Rechteck 8">
+            <a:extLst>
+              <a:ext uri="{FF2B5EF4-FFF2-40B4-BE49-F238E27FC236}">
+                <a16:creationId xmlns:a16="http://schemas.microsoft.com/office/drawing/2014/main" id="{917B181E-C951-4A2D-9FD6-2F0256A4188F}"/>
+              </a:ext>
+            </a:extLst>
+          </p:cNvPr>
+          <p:cNvSpPr/>
+          <p:nvPr/>
+        </p:nvSpPr>
+        <p:spPr>
+          <a:xfrm>
+            <a:off x="830510" y="3387917"/>
+            <a:ext cx="8800052" cy="307777"/>
           </a:xfrm>
           <a:prstGeom prst="rect">
             <a:avLst/>
           </a:prstGeom>
-          <a:noFill/>
         </p:spPr>
         <p:txBody>
-          <a:bodyPr wrap="square" rtlCol="0">
+          <a:bodyPr wrap="square">
             <a:spAutoFit/>
           </a:bodyPr>
           <a:lstStyle/>
           <a:p>
             <a:r>
-              <a:rPr lang="de-DE" sz="2800" b="1" dirty="0"/>
-              <a:t>Zwei repräsentative Datensätze aus US </a:t>
-            </a:r>
-            <a:r>
-              <a:rPr lang="de-DE" sz="2800" b="1" dirty="0" err="1"/>
-              <a:t>CENSUS</a:t>
-            </a:r>
-            <a:r>
-              <a:rPr lang="de-DE" sz="2800" b="1" dirty="0"/>
-              <a:t> </a:t>
-            </a:r>
-            <a:r>
-              <a:rPr lang="de-DE" sz="2800" b="1" dirty="0" err="1"/>
-              <a:t>gesampled</a:t>
-            </a:r>
-            <a:r>
-              <a:rPr lang="de-DE" sz="2800" b="1" dirty="0"/>
-              <a:t> mit jeweils LOW: 15890 und HIGH: 5000 Income Teilnehmern.</a:t>
-            </a:r>
-          </a:p>
-          <a:p>
-            <a:endParaRPr lang="de-DE" sz="2800" b="1" dirty="0"/>
-          </a:p>
-          <a:p>
-            <a:r>
-              <a:rPr lang="de-DE" sz="2800" b="1" dirty="0">
-                <a:sym typeface="Wingdings" panose="05000000000000000000" pitchFamily="2" charset="2"/>
+              <a:rPr lang="de-DE" sz="1400" b="1" dirty="0">
+                <a:solidFill>
+                  <a:srgbClr val="000000"/>
+                </a:solidFill>
+                <a:latin typeface="Rockwell" panose="02060603020205020403" pitchFamily="18" charset="0"/>
               </a:rPr>
-              <a:t> </a:t>
-            </a:r>
-            <a:r>
-              <a:rPr lang="de-DE" sz="2800" b="1" dirty="0" err="1">
-                <a:sym typeface="Wingdings" panose="05000000000000000000" pitchFamily="2" charset="2"/>
-              </a:rPr>
-              <a:t>AUCs</a:t>
-            </a:r>
-            <a:r>
-              <a:rPr lang="de-DE" sz="2800" b="1" dirty="0">
-                <a:sym typeface="Wingdings" panose="05000000000000000000" pitchFamily="2" charset="2"/>
-              </a:rPr>
-              <a:t> konstant bei 0.5: „Es bleibt repräsentativ“.</a:t>
-            </a:r>
-            <a:endParaRPr lang="de-DE" sz="2800" b="1" dirty="0"/>
-          </a:p>
-        </p:txBody>
-      </p:sp>
+              <a:t>Laksan Nathan</a:t>
+            </a:r>
+            <a:endParaRPr lang="de-DE" sz="1400" b="1" dirty="0">
+              <a:latin typeface="Rockwell" panose="02060603020205020403" pitchFamily="18" charset="0"/>
+            </a:endParaRPr>
+          </a:p>
+        </p:txBody>
+      </p:sp>
+      <p:cxnSp>
+        <p:nvCxnSpPr>
+          <p:cNvPr id="10" name="Gerader Verbinder 9">
+            <a:extLst>
+              <a:ext uri="{FF2B5EF4-FFF2-40B4-BE49-F238E27FC236}">
+                <a16:creationId xmlns:a16="http://schemas.microsoft.com/office/drawing/2014/main" id="{990CD07B-7089-42F6-9C88-1AF3FDCFA438}"/>
+              </a:ext>
+            </a:extLst>
+          </p:cNvPr>
+          <p:cNvCxnSpPr>
+            <a:cxnSpLocks/>
+          </p:cNvCxnSpPr>
+          <p:nvPr/>
+        </p:nvCxnSpPr>
+        <p:spPr>
+          <a:xfrm>
+            <a:off x="0" y="6041471"/>
+            <a:ext cx="12192000" cy="0"/>
+          </a:xfrm>
+          <a:prstGeom prst="line">
+            <a:avLst/>
+          </a:prstGeom>
+          <a:ln w="31750">
+            <a:solidFill>
+              <a:srgbClr val="C00000"/>
+            </a:solidFill>
+          </a:ln>
+        </p:spPr>
+        <p:style>
+          <a:lnRef idx="1">
+            <a:schemeClr val="accent2"/>
+          </a:lnRef>
+          <a:fillRef idx="0">
+            <a:schemeClr val="accent2"/>
+          </a:fillRef>
+          <a:effectRef idx="0">
+            <a:schemeClr val="accent2"/>
+          </a:effectRef>
+          <a:fontRef idx="minor">
+            <a:schemeClr val="tx1"/>
+          </a:fontRef>
+        </p:style>
+      </p:cxnSp>
     </p:spTree>
     <p:extLst>
       <p:ext uri="{BB962C8B-B14F-4D97-AF65-F5344CB8AC3E}">
-        <p14:creationId xmlns:p14="http://schemas.microsoft.com/office/powerpoint/2010/main" val="3208033834"/>
+        <p14:creationId xmlns:p14="http://schemas.microsoft.com/office/powerpoint/2010/main" val="3532776798"/>
       </p:ext>
     </p:extLst>
   </p:cSld>
@@ -3534,7 +3668,7 @@
         </p:blipFill>
         <p:spPr>
           <a:xfrm>
-            <a:off x="6172200" y="2813050"/>
+            <a:off x="6096000" y="1852681"/>
             <a:ext cx="5753099" cy="3835399"/>
           </a:xfrm>
           <a:prstGeom prst="rect">
@@ -3570,7 +3704,7 @@
         </p:blipFill>
         <p:spPr>
           <a:xfrm>
-            <a:off x="266701" y="2813050"/>
+            <a:off x="342901" y="1852682"/>
             <a:ext cx="5753099" cy="3835399"/>
           </a:xfrm>
           <a:prstGeom prst="rect">
@@ -3593,7 +3727,7 @@
         <p:spPr>
           <a:xfrm>
             <a:off x="495301" y="297180"/>
-            <a:ext cx="10487024" cy="2185214"/>
+            <a:ext cx="10487024" cy="1446550"/>
           </a:xfrm>
           <a:prstGeom prst="rect">
             <a:avLst/>
@@ -3623,17 +3757,49 @@
               <a:t>(Bei festen Werten der restlichen Parametern)</a:t>
             </a:r>
           </a:p>
-          <a:p>
-            <a:endParaRPr lang="de-DE" sz="2400" b="1" dirty="0"/>
-          </a:p>
+        </p:txBody>
+      </p:sp>
+      <p:sp>
+        <p:nvSpPr>
+          <p:cNvPr id="2" name="Rechteck 1">
+            <a:extLst>
+              <a:ext uri="{FF2B5EF4-FFF2-40B4-BE49-F238E27FC236}">
+                <a16:creationId xmlns:a16="http://schemas.microsoft.com/office/drawing/2014/main" id="{2F56ACC1-2982-48D7-B599-FA975F205719}"/>
+              </a:ext>
+            </a:extLst>
+          </p:cNvPr>
+          <p:cNvSpPr/>
+          <p:nvPr/>
+        </p:nvSpPr>
+        <p:spPr>
+          <a:xfrm>
+            <a:off x="875601" y="5797033"/>
+            <a:ext cx="10316274" cy="830997"/>
+          </a:xfrm>
+          <a:prstGeom prst="rect">
+            <a:avLst/>
+          </a:prstGeom>
+        </p:spPr>
+        <p:txBody>
+          <a:bodyPr wrap="square">
+            <a:spAutoFit/>
+          </a:bodyPr>
+          <a:lstStyle/>
           <a:p>
             <a:r>
               <a:rPr lang="de-DE" sz="2400" b="1" dirty="0">
                 <a:sym typeface="Wingdings" panose="05000000000000000000" pitchFamily="2" charset="2"/>
               </a:rPr>
-              <a:t> 0.25 scheint gut zu sein.</a:t>
-            </a:r>
-            <a:endParaRPr lang="de-DE" sz="2400" b="1" dirty="0"/>
+              <a:t>Rep: 15890 Low Income – 5000 High Income </a:t>
+            </a:r>
+          </a:p>
+          <a:p>
+            <a:r>
+              <a:rPr lang="de-DE" sz="2400" b="1" dirty="0">
+                <a:sym typeface="Wingdings" panose="05000000000000000000" pitchFamily="2" charset="2"/>
+              </a:rPr>
+              <a:t>Nonrep: 6000 Low Income – 5000 High Income</a:t>
+            </a:r>
           </a:p>
         </p:txBody>
       </p:sp>
@@ -3854,10 +4020,10 @@
       </p:grpSpPr>
       <p:pic>
         <p:nvPicPr>
-          <p:cNvPr id="3" name="Grafik 2" descr="Ein Bild, das Text enthält.&#10;&#10;Automatisch generierte Beschreibung">
-            <a:extLst>
-              <a:ext uri="{FF2B5EF4-FFF2-40B4-BE49-F238E27FC236}">
-                <a16:creationId xmlns:a16="http://schemas.microsoft.com/office/drawing/2014/main" id="{0ED5C4F2-FB10-4EE7-BF97-090955B0CEA7}"/>
+          <p:cNvPr id="5" name="Grafik 4">
+            <a:extLst>
+              <a:ext uri="{FF2B5EF4-FFF2-40B4-BE49-F238E27FC236}">
+                <a16:creationId xmlns:a16="http://schemas.microsoft.com/office/drawing/2014/main" id="{DA44D1EC-7767-4009-9C09-AEF0523F446B}"/>
               </a:ext>
             </a:extLst>
           </p:cNvPr>
@@ -3880,20 +4046,56 @@
         </p:blipFill>
         <p:spPr>
           <a:xfrm>
-            <a:off x="1990725" y="1485901"/>
-            <a:ext cx="6600825" cy="4400549"/>
+            <a:off x="6096000" y="523456"/>
+            <a:ext cx="5487650" cy="3658433"/>
           </a:xfrm>
           <a:prstGeom prst="rect">
             <a:avLst/>
           </a:prstGeom>
         </p:spPr>
       </p:pic>
-      <p:sp>
-        <p:nvSpPr>
-          <p:cNvPr id="11" name="Textfeld 10">
-            <a:extLst>
-              <a:ext uri="{FF2B5EF4-FFF2-40B4-BE49-F238E27FC236}">
-                <a16:creationId xmlns:a16="http://schemas.microsoft.com/office/drawing/2014/main" id="{E5CA7630-5DC4-4BDE-911A-8F6AF4249A2B}"/>
+      <p:pic>
+        <p:nvPicPr>
+          <p:cNvPr id="7" name="Grafik 6" descr="Ein Bild, das Objekt enthält.&#10;&#10;Automatisch generierte Beschreibung">
+            <a:extLst>
+              <a:ext uri="{FF2B5EF4-FFF2-40B4-BE49-F238E27FC236}">
+                <a16:creationId xmlns:a16="http://schemas.microsoft.com/office/drawing/2014/main" id="{45E2FCA3-8369-4B4C-B408-B57D9C5C9084}"/>
+              </a:ext>
+            </a:extLst>
+          </p:cNvPr>
+          <p:cNvPicPr>
+            <a:picLocks noChangeAspect="1"/>
+          </p:cNvPicPr>
+          <p:nvPr/>
+        </p:nvPicPr>
+        <p:blipFill>
+          <a:blip r:embed="rId3">
+            <a:extLst>
+              <a:ext uri="{28A0092B-C50C-407E-A947-70E740481C1C}">
+                <a14:useLocalDpi xmlns:a14="http://schemas.microsoft.com/office/drawing/2010/main" val="0"/>
+              </a:ext>
+            </a:extLst>
+          </a:blip>
+          <a:stretch>
+            <a:fillRect/>
+          </a:stretch>
+        </p:blipFill>
+        <p:spPr>
+          <a:xfrm>
+            <a:off x="311789" y="158109"/>
+            <a:ext cx="5852172" cy="4389129"/>
+          </a:xfrm>
+          <a:prstGeom prst="rect">
+            <a:avLst/>
+          </a:prstGeom>
+        </p:spPr>
+      </p:pic>
+      <p:sp>
+        <p:nvSpPr>
+          <p:cNvPr id="8" name="Textfeld 7">
+            <a:extLst>
+              <a:ext uri="{FF2B5EF4-FFF2-40B4-BE49-F238E27FC236}">
+                <a16:creationId xmlns:a16="http://schemas.microsoft.com/office/drawing/2014/main" id="{29841C2D-358F-49D6-84F0-3BA75BAC1BF1}"/>
               </a:ext>
             </a:extLst>
           </p:cNvPr>
@@ -3902,8 +4104,8 @@
         </p:nvSpPr>
         <p:spPr>
           <a:xfrm>
-            <a:off x="1609724" y="701071"/>
-            <a:ext cx="8467725" cy="892552"/>
+            <a:off x="981074" y="4547236"/>
+            <a:ext cx="9934575" cy="1815882"/>
           </a:xfrm>
           <a:prstGeom prst="rect">
             <a:avLst/>
@@ -3917,6 +4119,115 @@
           <a:lstStyle/>
           <a:p>
             <a:r>
+              <a:rPr lang="de-DE" sz="2800" b="1" dirty="0">
+                <a:sym typeface="Wingdings" panose="05000000000000000000" pitchFamily="2" charset="2"/>
+              </a:rPr>
+              <a:t>Rep: </a:t>
+            </a:r>
+            <a:r>
+              <a:rPr lang="de-DE" sz="2800" b="1" dirty="0"/>
+              <a:t>15890 Low Income - High: 5000 Income</a:t>
+            </a:r>
+          </a:p>
+          <a:p>
+            <a:r>
+              <a:rPr lang="de-DE" sz="2800" b="1" dirty="0">
+                <a:sym typeface="Wingdings" panose="05000000000000000000" pitchFamily="2" charset="2"/>
+              </a:rPr>
+              <a:t>Nonrep: </a:t>
+            </a:r>
+            <a:r>
+              <a:rPr lang="de-DE" sz="2800" b="1" dirty="0"/>
+              <a:t>15890 Low Income - High: 5000 Income</a:t>
+            </a:r>
+          </a:p>
+          <a:p>
+            <a:endParaRPr lang="de-DE" sz="2800" b="1" dirty="0">
+              <a:sym typeface="Wingdings" panose="05000000000000000000" pitchFamily="2" charset="2"/>
+            </a:endParaRPr>
+          </a:p>
+          <a:p>
+            <a:r>
+              <a:rPr lang="de-DE" sz="2800" b="1" dirty="0">
+                <a:sym typeface="Wingdings" panose="05000000000000000000" pitchFamily="2" charset="2"/>
+              </a:rPr>
+              <a:t> </a:t>
+            </a:r>
+            <a:r>
+              <a:rPr lang="de-DE" sz="2800" b="1" dirty="0" err="1">
+                <a:sym typeface="Wingdings" panose="05000000000000000000" pitchFamily="2" charset="2"/>
+              </a:rPr>
+              <a:t>AUCs</a:t>
+            </a:r>
+            <a:r>
+              <a:rPr lang="de-DE" sz="2800" b="1" dirty="0">
+                <a:sym typeface="Wingdings" panose="05000000000000000000" pitchFamily="2" charset="2"/>
+              </a:rPr>
+              <a:t> konstant bei 0.5: „Es bleibt repräsentativ“.</a:t>
+            </a:r>
+            <a:endParaRPr lang="de-DE" sz="2800" b="1" dirty="0"/>
+          </a:p>
+        </p:txBody>
+      </p:sp>
+    </p:spTree>
+    <p:extLst>
+      <p:ext uri="{BB962C8B-B14F-4D97-AF65-F5344CB8AC3E}">
+        <p14:creationId xmlns:p14="http://schemas.microsoft.com/office/powerpoint/2010/main" val="3208033834"/>
+      </p:ext>
+    </p:extLst>
+  </p:cSld>
+  <p:clrMapOvr>
+    <a:masterClrMapping/>
+  </p:clrMapOvr>
+</p:sld>
+</file>
+
+<file path=ppt/slides/slide5.xml><?xml version="1.0" encoding="utf-8"?>
+<p:sld xmlns:a="http://schemas.openxmlformats.org/drawingml/2006/main" xmlns:r="http://schemas.openxmlformats.org/officeDocument/2006/relationships" xmlns:p="http://schemas.openxmlformats.org/presentationml/2006/main">
+  <p:cSld>
+    <p:spTree>
+      <p:nvGrpSpPr>
+        <p:cNvPr id="1" name=""/>
+        <p:cNvGrpSpPr/>
+        <p:nvPr/>
+      </p:nvGrpSpPr>
+      <p:grpSpPr>
+        <a:xfrm>
+          <a:off x="0" y="0"/>
+          <a:ext cx="0" cy="0"/>
+          <a:chOff x="0" y="0"/>
+          <a:chExt cx="0" cy="0"/>
+        </a:xfrm>
+      </p:grpSpPr>
+      <p:sp>
+        <p:nvSpPr>
+          <p:cNvPr id="11" name="Textfeld 10">
+            <a:extLst>
+              <a:ext uri="{FF2B5EF4-FFF2-40B4-BE49-F238E27FC236}">
+                <a16:creationId xmlns:a16="http://schemas.microsoft.com/office/drawing/2014/main" id="{E5CA7630-5DC4-4BDE-911A-8F6AF4249A2B}"/>
+              </a:ext>
+            </a:extLst>
+          </p:cNvPr>
+          <p:cNvSpPr txBox="1"/>
+          <p:nvPr/>
+        </p:nvSpPr>
+        <p:spPr>
+          <a:xfrm>
+            <a:off x="3943349" y="110521"/>
+            <a:ext cx="8467725" cy="584775"/>
+          </a:xfrm>
+          <a:prstGeom prst="rect">
+            <a:avLst/>
+          </a:prstGeom>
+          <a:noFill/>
+        </p:spPr>
+        <p:txBody>
+          <a:bodyPr wrap="square" rtlCol="0">
+            <a:spAutoFit/>
+          </a:bodyPr>
+          <a:lstStyle/>
+          <a:p>
+            <a:r>
               <a:rPr lang="de-DE" sz="3200" b="1" dirty="0"/>
               <a:t>Allensbach-</a:t>
             </a:r>
@@ -3926,15 +4237,116 @@
             </a:r>
             <a:endParaRPr lang="de-DE" sz="3200" b="1" dirty="0"/>
           </a:p>
-          <a:p>
-            <a:r>
-              <a:rPr lang="de-DE" sz="2000" dirty="0"/>
-              <a:t>**Titel vom Plot war leider nicht korrigiert</a:t>
-            </a:r>
-            <a:endParaRPr lang="de-DE" sz="1600" dirty="0"/>
-          </a:p>
-        </p:txBody>
-      </p:sp>
+        </p:txBody>
+      </p:sp>
+      <p:pic>
+        <p:nvPicPr>
+          <p:cNvPr id="4" name="Grafik 3">
+            <a:extLst>
+              <a:ext uri="{FF2B5EF4-FFF2-40B4-BE49-F238E27FC236}">
+                <a16:creationId xmlns:a16="http://schemas.microsoft.com/office/drawing/2014/main" id="{6D9A847E-A5CB-4179-A796-25E835121ADB}"/>
+              </a:ext>
+            </a:extLst>
+          </p:cNvPr>
+          <p:cNvPicPr>
+            <a:picLocks noChangeAspect="1"/>
+          </p:cNvPicPr>
+          <p:nvPr/>
+        </p:nvPicPr>
+        <p:blipFill>
+          <a:blip r:embed="rId2">
+            <a:extLst>
+              <a:ext uri="{28A0092B-C50C-407E-A947-70E740481C1C}">
+                <a14:useLocalDpi xmlns:a14="http://schemas.microsoft.com/office/drawing/2010/main" val="0"/>
+              </a:ext>
+            </a:extLst>
+          </a:blip>
+          <a:stretch>
+            <a:fillRect/>
+          </a:stretch>
+        </p:blipFill>
+        <p:spPr>
+          <a:xfrm>
+            <a:off x="210368" y="685384"/>
+            <a:ext cx="4472612" cy="2981741"/>
+          </a:xfrm>
+          <a:prstGeom prst="rect">
+            <a:avLst/>
+          </a:prstGeom>
+        </p:spPr>
+      </p:pic>
+      <p:pic>
+        <p:nvPicPr>
+          <p:cNvPr id="6" name="Grafik 5">
+            <a:extLst>
+              <a:ext uri="{FF2B5EF4-FFF2-40B4-BE49-F238E27FC236}">
+                <a16:creationId xmlns:a16="http://schemas.microsoft.com/office/drawing/2014/main" id="{E821B92A-23DE-4740-9BD2-0977A3A9A701}"/>
+              </a:ext>
+            </a:extLst>
+          </p:cNvPr>
+          <p:cNvPicPr>
+            <a:picLocks noChangeAspect="1"/>
+          </p:cNvPicPr>
+          <p:nvPr/>
+        </p:nvPicPr>
+        <p:blipFill>
+          <a:blip r:embed="rId3">
+            <a:extLst>
+              <a:ext uri="{28A0092B-C50C-407E-A947-70E740481C1C}">
+                <a14:useLocalDpi xmlns:a14="http://schemas.microsoft.com/office/drawing/2010/main" val="0"/>
+              </a:ext>
+            </a:extLst>
+          </a:blip>
+          <a:stretch>
+            <a:fillRect/>
+          </a:stretch>
+        </p:blipFill>
+        <p:spPr>
+          <a:xfrm>
+            <a:off x="210368" y="3667125"/>
+            <a:ext cx="4472612" cy="2981741"/>
+          </a:xfrm>
+          <a:prstGeom prst="rect">
+            <a:avLst/>
+          </a:prstGeom>
+        </p:spPr>
+      </p:pic>
+      <p:pic>
+        <p:nvPicPr>
+          <p:cNvPr id="8" name="Grafik 7">
+            <a:extLst>
+              <a:ext uri="{FF2B5EF4-FFF2-40B4-BE49-F238E27FC236}">
+                <a16:creationId xmlns:a16="http://schemas.microsoft.com/office/drawing/2014/main" id="{5BA762E9-D5C1-4152-BF37-16CF3F7031E6}"/>
+              </a:ext>
+            </a:extLst>
+          </p:cNvPr>
+          <p:cNvPicPr>
+            <a:picLocks noChangeAspect="1"/>
+          </p:cNvPicPr>
+          <p:nvPr/>
+        </p:nvPicPr>
+        <p:blipFill>
+          <a:blip r:embed="rId4">
+            <a:extLst>
+              <a:ext uri="{28A0092B-C50C-407E-A947-70E740481C1C}">
+                <a14:useLocalDpi xmlns:a14="http://schemas.microsoft.com/office/drawing/2010/main" val="0"/>
+              </a:ext>
+            </a:extLst>
+          </a:blip>
+          <a:stretch>
+            <a:fillRect/>
+          </a:stretch>
+        </p:blipFill>
+        <p:spPr>
+          <a:xfrm>
+            <a:off x="4682980" y="1448187"/>
+            <a:ext cx="6686551" cy="4457700"/>
+          </a:xfrm>
+          <a:prstGeom prst="rect">
+            <a:avLst/>
+          </a:prstGeom>
+        </p:spPr>
+      </p:pic>
     </p:spTree>
     <p:extLst>
       <p:ext uri="{BB962C8B-B14F-4D97-AF65-F5344CB8AC3E}">
